--- a/Angol/Freetime_SsZoltan_SzaboB.pptx
+++ b/Angol/Freetime_SsZoltan_SzaboB.pptx
@@ -5,14 +5,11 @@
     <p:sldMasterId id="2147484222" r:id="rId1"/>
   </p:sldMasterIdLst>
   <p:sldIdLst>
-    <p:sldId id="256" r:id="rId2"/>
-    <p:sldId id="258" r:id="rId3"/>
-    <p:sldId id="259" r:id="rId4"/>
-    <p:sldId id="260" r:id="rId5"/>
-    <p:sldId id="261" r:id="rId6"/>
-    <p:sldId id="262" r:id="rId7"/>
-    <p:sldId id="257" r:id="rId8"/>
-    <p:sldId id="263" r:id="rId9"/>
+    <p:sldId id="258" r:id="rId2"/>
+    <p:sldId id="259" r:id="rId3"/>
+    <p:sldId id="260" r:id="rId4"/>
+    <p:sldId id="261" r:id="rId5"/>
+    <p:sldId id="262" r:id="rId6"/>
   </p:sldIdLst>
   <p:sldSz cx="12192000" cy="6858000"/>
   <p:notesSz cx="6858000" cy="9144000"/>
@@ -621,7 +618,7 @@
           <a:p>
             <a:fld id="{E9CCFF20-B629-410C-BF7E-06E12ECE8697}" type="datetimeFigureOut">
               <a:rPr lang="hu-HU" smtClean="0"/>
-              <a:t>2024. 01. 16.</a:t>
+              <a:t>2024. 06. 13.</a:t>
             </a:fld>
             <a:endParaRPr lang="hu-HU"/>
           </a:p>
@@ -917,7 +914,7 @@
           <a:p>
             <a:fld id="{E9CCFF20-B629-410C-BF7E-06E12ECE8697}" type="datetimeFigureOut">
               <a:rPr lang="hu-HU" smtClean="0"/>
-              <a:t>2024. 01. 16.</a:t>
+              <a:t>2024. 06. 13.</a:t>
             </a:fld>
             <a:endParaRPr lang="hu-HU"/>
           </a:p>
@@ -1165,7 +1162,7 @@
           <a:p>
             <a:fld id="{E9CCFF20-B629-410C-BF7E-06E12ECE8697}" type="datetimeFigureOut">
               <a:rPr lang="hu-HU" smtClean="0"/>
-              <a:t>2024. 01. 16.</a:t>
+              <a:t>2024. 06. 13.</a:t>
             </a:fld>
             <a:endParaRPr lang="hu-HU"/>
           </a:p>
@@ -1705,7 +1702,7 @@
           <a:p>
             <a:fld id="{E9CCFF20-B629-410C-BF7E-06E12ECE8697}" type="datetimeFigureOut">
               <a:rPr lang="hu-HU" smtClean="0"/>
-              <a:t>2024. 01. 16.</a:t>
+              <a:t>2024. 06. 13.</a:t>
             </a:fld>
             <a:endParaRPr lang="hu-HU"/>
           </a:p>
@@ -1953,7 +1950,7 @@
           <a:p>
             <a:fld id="{E9CCFF20-B629-410C-BF7E-06E12ECE8697}" type="datetimeFigureOut">
               <a:rPr lang="hu-HU" smtClean="0"/>
-              <a:t>2024. 01. 16.</a:t>
+              <a:t>2024. 06. 13.</a:t>
             </a:fld>
             <a:endParaRPr lang="hu-HU"/>
           </a:p>
@@ -2485,7 +2482,7 @@
           <a:p>
             <a:fld id="{E9CCFF20-B629-410C-BF7E-06E12ECE8697}" type="datetimeFigureOut">
               <a:rPr lang="hu-HU" smtClean="0"/>
-              <a:t>2024. 01. 16.</a:t>
+              <a:t>2024. 06. 13.</a:t>
             </a:fld>
             <a:endParaRPr lang="hu-HU"/>
           </a:p>
@@ -2782,7 +2779,7 @@
           <a:p>
             <a:fld id="{E9CCFF20-B629-410C-BF7E-06E12ECE8697}" type="datetimeFigureOut">
               <a:rPr lang="hu-HU" smtClean="0"/>
-              <a:t>2024. 01. 16.</a:t>
+              <a:t>2024. 06. 13.</a:t>
             </a:fld>
             <a:endParaRPr lang="hu-HU"/>
           </a:p>
@@ -2956,7 +2953,7 @@
           <a:p>
             <a:fld id="{E9CCFF20-B629-410C-BF7E-06E12ECE8697}" type="datetimeFigureOut">
               <a:rPr lang="hu-HU" smtClean="0"/>
-              <a:t>2024. 01. 16.</a:t>
+              <a:t>2024. 06. 13.</a:t>
             </a:fld>
             <a:endParaRPr lang="hu-HU"/>
           </a:p>
@@ -3136,7 +3133,7 @@
           <a:p>
             <a:fld id="{E9CCFF20-B629-410C-BF7E-06E12ECE8697}" type="datetimeFigureOut">
               <a:rPr lang="hu-HU" smtClean="0"/>
-              <a:t>2024. 01. 16.</a:t>
+              <a:t>2024. 06. 13.</a:t>
             </a:fld>
             <a:endParaRPr lang="hu-HU"/>
           </a:p>
@@ -3306,7 +3303,7 @@
           <a:p>
             <a:fld id="{E9CCFF20-B629-410C-BF7E-06E12ECE8697}" type="datetimeFigureOut">
               <a:rPr lang="hu-HU" smtClean="0"/>
-              <a:t>2024. 01. 16.</a:t>
+              <a:t>2024. 06. 13.</a:t>
             </a:fld>
             <a:endParaRPr lang="hu-HU"/>
           </a:p>
@@ -3557,7 +3554,7 @@
           <a:p>
             <a:fld id="{E9CCFF20-B629-410C-BF7E-06E12ECE8697}" type="datetimeFigureOut">
               <a:rPr lang="hu-HU" smtClean="0"/>
-              <a:t>2024. 01. 16.</a:t>
+              <a:t>2024. 06. 13.</a:t>
             </a:fld>
             <a:endParaRPr lang="hu-HU"/>
           </a:p>
@@ -3854,7 +3851,7 @@
           <a:p>
             <a:fld id="{E9CCFF20-B629-410C-BF7E-06E12ECE8697}" type="datetimeFigureOut">
               <a:rPr lang="hu-HU" smtClean="0"/>
-              <a:t>2024. 01. 16.</a:t>
+              <a:t>2024. 06. 13.</a:t>
             </a:fld>
             <a:endParaRPr lang="hu-HU"/>
           </a:p>
@@ -4296,7 +4293,7 @@
           <a:p>
             <a:fld id="{E9CCFF20-B629-410C-BF7E-06E12ECE8697}" type="datetimeFigureOut">
               <a:rPr lang="hu-HU" smtClean="0"/>
-              <a:t>2024. 01. 16.</a:t>
+              <a:t>2024. 06. 13.</a:t>
             </a:fld>
             <a:endParaRPr lang="hu-HU"/>
           </a:p>
@@ -4414,7 +4411,7 @@
           <a:p>
             <a:fld id="{E9CCFF20-B629-410C-BF7E-06E12ECE8697}" type="datetimeFigureOut">
               <a:rPr lang="hu-HU" smtClean="0"/>
-              <a:t>2024. 01. 16.</a:t>
+              <a:t>2024. 06. 13.</a:t>
             </a:fld>
             <a:endParaRPr lang="hu-HU"/>
           </a:p>
@@ -4509,7 +4506,7 @@
           <a:p>
             <a:fld id="{E9CCFF20-B629-410C-BF7E-06E12ECE8697}" type="datetimeFigureOut">
               <a:rPr lang="hu-HU" smtClean="0"/>
-              <a:t>2024. 01. 16.</a:t>
+              <a:t>2024. 06. 13.</a:t>
             </a:fld>
             <a:endParaRPr lang="hu-HU"/>
           </a:p>
@@ -4792,7 +4789,7 @@
           <a:p>
             <a:fld id="{E9CCFF20-B629-410C-BF7E-06E12ECE8697}" type="datetimeFigureOut">
               <a:rPr lang="hu-HU" smtClean="0"/>
-              <a:t>2024. 01. 16.</a:t>
+              <a:t>2024. 06. 13.</a:t>
             </a:fld>
             <a:endParaRPr lang="hu-HU"/>
           </a:p>
@@ -5083,7 +5080,7 @@
           <a:p>
             <a:fld id="{E9CCFF20-B629-410C-BF7E-06E12ECE8697}" type="datetimeFigureOut">
               <a:rPr lang="hu-HU" smtClean="0"/>
-              <a:t>2024. 01. 16.</a:t>
+              <a:t>2024. 06. 13.</a:t>
             </a:fld>
             <a:endParaRPr lang="hu-HU"/>
           </a:p>
@@ -5613,7 +5610,7 @@
           <a:p>
             <a:fld id="{E9CCFF20-B629-410C-BF7E-06E12ECE8697}" type="datetimeFigureOut">
               <a:rPr lang="hu-HU" smtClean="0"/>
-              <a:t>2024. 01. 16.</a:t>
+              <a:t>2024. 06. 13.</a:t>
             </a:fld>
             <a:endParaRPr lang="hu-HU"/>
           </a:p>
@@ -6130,117 +6127,6 @@
 <file path=ppt/slides/slide1.xml><?xml version="1.0" encoding="utf-8"?>
 <p:sld xmlns:a="http://schemas.openxmlformats.org/drawingml/2006/main" xmlns:r="http://schemas.openxmlformats.org/officeDocument/2006/relationships" xmlns:p="http://schemas.openxmlformats.org/presentationml/2006/main">
   <p:cSld>
-    <p:bg>
-      <p:bgPr>
-        <a:gradFill>
-          <a:gsLst>
-            <a:gs pos="10000">
-              <a:schemeClr val="bg2">
-                <a:tint val="97000"/>
-                <a:hueMod val="92000"/>
-                <a:satMod val="169000"/>
-                <a:lumMod val="164000"/>
-              </a:schemeClr>
-            </a:gs>
-            <a:gs pos="100000">
-              <a:schemeClr val="bg2">
-                <a:shade val="96000"/>
-                <a:satMod val="120000"/>
-                <a:lumMod val="90000"/>
-              </a:schemeClr>
-            </a:gs>
-          </a:gsLst>
-          <a:lin ang="6120000" scaled="1"/>
-        </a:gradFill>
-        <a:effectLst/>
-      </p:bgPr>
-    </p:bg>
-    <p:spTree>
-      <p:nvGrpSpPr>
-        <p:cNvPr id="1" name=""/>
-        <p:cNvGrpSpPr/>
-        <p:nvPr/>
-      </p:nvGrpSpPr>
-      <p:grpSpPr>
-        <a:xfrm>
-          <a:off x="0" y="0"/>
-          <a:ext cx="0" cy="0"/>
-          <a:chOff x="0" y="0"/>
-          <a:chExt cx="0" cy="0"/>
-        </a:xfrm>
-      </p:grpSpPr>
-      <p:sp>
-        <p:nvSpPr>
-          <p:cNvPr id="2" name="Title 1">
-            <a:extLst>
-              <a:ext uri="{FF2B5EF4-FFF2-40B4-BE49-F238E27FC236}">
-                <a16:creationId xmlns:a16="http://schemas.microsoft.com/office/drawing/2014/main" id="{2E988E59-627F-DDB3-B674-6E0892864140}"/>
-              </a:ext>
-            </a:extLst>
-          </p:cNvPr>
-          <p:cNvSpPr>
-            <a:spLocks noGrp="1"/>
-          </p:cNvSpPr>
-          <p:nvPr>
-            <p:ph type="ctrTitle"/>
-          </p:nvPr>
-        </p:nvSpPr>
-        <p:spPr/>
-        <p:txBody>
-          <a:bodyPr/>
-          <a:lstStyle/>
-          <a:p>
-            <a:r>
-              <a:rPr lang="hu-HU" dirty="0"/>
-              <a:t>Different ways of spending free time</a:t>
-            </a:r>
-          </a:p>
-        </p:txBody>
-      </p:sp>
-      <p:sp>
-        <p:nvSpPr>
-          <p:cNvPr id="3" name="Subtitle 2">
-            <a:extLst>
-              <a:ext uri="{FF2B5EF4-FFF2-40B4-BE49-F238E27FC236}">
-                <a16:creationId xmlns:a16="http://schemas.microsoft.com/office/drawing/2014/main" id="{91FF8809-467A-6418-B5D2-6673A46A945A}"/>
-              </a:ext>
-            </a:extLst>
-          </p:cNvPr>
-          <p:cNvSpPr>
-            <a:spLocks noGrp="1"/>
-          </p:cNvSpPr>
-          <p:nvPr>
-            <p:ph type="subTitle" idx="1"/>
-          </p:nvPr>
-        </p:nvSpPr>
-        <p:spPr/>
-        <p:txBody>
-          <a:bodyPr/>
-          <a:lstStyle/>
-          <a:p>
-            <a:r>
-              <a:rPr lang="hu-HU" dirty="0"/>
-              <a:t>Made by: Szabó Zoltán, Szabó Bence</a:t>
-            </a:r>
-          </a:p>
-        </p:txBody>
-      </p:sp>
-    </p:spTree>
-    <p:extLst>
-      <p:ext uri="{BB962C8B-B14F-4D97-AF65-F5344CB8AC3E}">
-        <p14:creationId xmlns:p14="http://schemas.microsoft.com/office/powerpoint/2010/main" val="1501254506"/>
-      </p:ext>
-    </p:extLst>
-  </p:cSld>
-  <p:clrMapOvr>
-    <a:masterClrMapping/>
-  </p:clrMapOvr>
-</p:sld>
-</file>
-
-<file path=ppt/slides/slide2.xml><?xml version="1.0" encoding="utf-8"?>
-<p:sld xmlns:a="http://schemas.openxmlformats.org/drawingml/2006/main" xmlns:r="http://schemas.openxmlformats.org/officeDocument/2006/relationships" xmlns:p="http://schemas.openxmlformats.org/presentationml/2006/main">
-  <p:cSld>
     <p:spTree>
       <p:nvGrpSpPr>
         <p:cNvPr id="1" name=""/>
@@ -6592,7 +6478,7 @@
 </p:sld>
 </file>
 
-<file path=ppt/slides/slide3.xml><?xml version="1.0" encoding="utf-8"?>
+<file path=ppt/slides/slide2.xml><?xml version="1.0" encoding="utf-8"?>
 <p:sld xmlns:a="http://schemas.openxmlformats.org/drawingml/2006/main" xmlns:r="http://schemas.openxmlformats.org/officeDocument/2006/relationships" xmlns:p="http://schemas.openxmlformats.org/presentationml/2006/main">
   <p:cSld>
     <p:spTree>
@@ -8140,7 +8026,7 @@
 </p:sld>
 </file>
 
-<file path=ppt/slides/slide4.xml><?xml version="1.0" encoding="utf-8"?>
+<file path=ppt/slides/slide3.xml><?xml version="1.0" encoding="utf-8"?>
 <p:sld xmlns:a="http://schemas.openxmlformats.org/drawingml/2006/main" xmlns:r="http://schemas.openxmlformats.org/officeDocument/2006/relationships" xmlns:p="http://schemas.openxmlformats.org/presentationml/2006/main">
   <p:cSld>
     <p:spTree>
@@ -9696,7 +9582,7 @@
 </p:sld>
 </file>
 
-<file path=ppt/slides/slide5.xml><?xml version="1.0" encoding="utf-8"?>
+<file path=ppt/slides/slide4.xml><?xml version="1.0" encoding="utf-8"?>
 <p:sld xmlns:a="http://schemas.openxmlformats.org/drawingml/2006/main" xmlns:r="http://schemas.openxmlformats.org/officeDocument/2006/relationships" xmlns:p="http://schemas.openxmlformats.org/presentationml/2006/main">
   <p:cSld>
     <p:spTree>
@@ -9854,7 +9740,7 @@
 </p:sld>
 </file>
 
-<file path=ppt/slides/slide6.xml><?xml version="1.0" encoding="utf-8"?>
+<file path=ppt/slides/slide5.xml><?xml version="1.0" encoding="utf-8"?>
 <p:sld xmlns:a="http://schemas.openxmlformats.org/drawingml/2006/main" xmlns:r="http://schemas.openxmlformats.org/officeDocument/2006/relationships" xmlns:p="http://schemas.openxmlformats.org/presentationml/2006/main">
   <p:cSld>
     <p:bg>
@@ -10070,223 +9956,6 @@
     <p:extLst>
       <p:ext uri="{BB962C8B-B14F-4D97-AF65-F5344CB8AC3E}">
         <p14:creationId xmlns:p14="http://schemas.microsoft.com/office/powerpoint/2010/main" val="2454351261"/>
-      </p:ext>
-    </p:extLst>
-  </p:cSld>
-  <p:clrMapOvr>
-    <a:masterClrMapping/>
-  </p:clrMapOvr>
-</p:sld>
-</file>
-
-<file path=ppt/slides/slide7.xml><?xml version="1.0" encoding="utf-8"?>
-<p:sld xmlns:a="http://schemas.openxmlformats.org/drawingml/2006/main" xmlns:r="http://schemas.openxmlformats.org/officeDocument/2006/relationships" xmlns:p="http://schemas.openxmlformats.org/presentationml/2006/main">
-  <p:cSld>
-    <p:spTree>
-      <p:nvGrpSpPr>
-        <p:cNvPr id="1" name=""/>
-        <p:cNvGrpSpPr/>
-        <p:nvPr/>
-      </p:nvGrpSpPr>
-      <p:grpSpPr>
-        <a:xfrm>
-          <a:off x="0" y="0"/>
-          <a:ext cx="0" cy="0"/>
-          <a:chOff x="0" y="0"/>
-          <a:chExt cx="0" cy="0"/>
-        </a:xfrm>
-      </p:grpSpPr>
-      <p:sp>
-        <p:nvSpPr>
-          <p:cNvPr id="6" name="Title 5">
-            <a:extLst>
-              <a:ext uri="{FF2B5EF4-FFF2-40B4-BE49-F238E27FC236}">
-                <a16:creationId xmlns:a16="http://schemas.microsoft.com/office/drawing/2014/main" id="{71512769-C68E-12D9-8BCA-A960ECF382D8}"/>
-              </a:ext>
-            </a:extLst>
-          </p:cNvPr>
-          <p:cNvSpPr>
-            <a:spLocks noGrp="1"/>
-          </p:cNvSpPr>
-          <p:nvPr>
-            <p:ph type="ctrTitle"/>
-          </p:nvPr>
-        </p:nvSpPr>
-        <p:spPr/>
-        <p:txBody>
-          <a:bodyPr>
-            <a:normAutofit/>
-          </a:bodyPr>
-          <a:lstStyle/>
-          <a:p>
-            <a:pPr algn="ctr"/>
-            <a:r>
-              <a:rPr lang="hu-HU" sz="4000" b="1" dirty="0"/>
-              <a:t>Thanks for watching</a:t>
-            </a:r>
-          </a:p>
-        </p:txBody>
-      </p:sp>
-      <p:sp>
-        <p:nvSpPr>
-          <p:cNvPr id="7" name="Subtitle 6">
-            <a:extLst>
-              <a:ext uri="{FF2B5EF4-FFF2-40B4-BE49-F238E27FC236}">
-                <a16:creationId xmlns:a16="http://schemas.microsoft.com/office/drawing/2014/main" id="{73390A5D-3E95-2978-3D3F-5548C13E13DC}"/>
-              </a:ext>
-            </a:extLst>
-          </p:cNvPr>
-          <p:cNvSpPr>
-            <a:spLocks noGrp="1"/>
-          </p:cNvSpPr>
-          <p:nvPr>
-            <p:ph type="subTitle" idx="1"/>
-          </p:nvPr>
-        </p:nvSpPr>
-        <p:spPr/>
-        <p:txBody>
-          <a:bodyPr/>
-          <a:lstStyle/>
-          <a:p>
-            <a:endParaRPr lang="hu-HU" dirty="0"/>
-          </a:p>
-        </p:txBody>
-      </p:sp>
-    </p:spTree>
-    <p:extLst>
-      <p:ext uri="{BB962C8B-B14F-4D97-AF65-F5344CB8AC3E}">
-        <p14:creationId xmlns:p14="http://schemas.microsoft.com/office/powerpoint/2010/main" val="2542879327"/>
-      </p:ext>
-    </p:extLst>
-  </p:cSld>
-  <p:clrMapOvr>
-    <a:masterClrMapping/>
-  </p:clrMapOvr>
-</p:sld>
-</file>
-
-<file path=ppt/slides/slide8.xml><?xml version="1.0" encoding="utf-8"?>
-<p:sld xmlns:a="http://schemas.openxmlformats.org/drawingml/2006/main" xmlns:r="http://schemas.openxmlformats.org/officeDocument/2006/relationships" xmlns:p="http://schemas.openxmlformats.org/presentationml/2006/main">
-  <p:cSld>
-    <p:spTree>
-      <p:nvGrpSpPr>
-        <p:cNvPr id="1" name=""/>
-        <p:cNvGrpSpPr/>
-        <p:nvPr/>
-      </p:nvGrpSpPr>
-      <p:grpSpPr>
-        <a:xfrm>
-          <a:off x="0" y="0"/>
-          <a:ext cx="0" cy="0"/>
-          <a:chOff x="0" y="0"/>
-          <a:chExt cx="0" cy="0"/>
-        </a:xfrm>
-      </p:grpSpPr>
-      <p:sp>
-        <p:nvSpPr>
-          <p:cNvPr id="2" name="Title 1">
-            <a:extLst>
-              <a:ext uri="{FF2B5EF4-FFF2-40B4-BE49-F238E27FC236}">
-                <a16:creationId xmlns:a16="http://schemas.microsoft.com/office/drawing/2014/main" id="{8FB035B1-E7C7-60E8-0C98-AC807C1E206C}"/>
-              </a:ext>
-            </a:extLst>
-          </p:cNvPr>
-          <p:cNvSpPr>
-            <a:spLocks noGrp="1"/>
-          </p:cNvSpPr>
-          <p:nvPr>
-            <p:ph type="title"/>
-          </p:nvPr>
-        </p:nvSpPr>
-        <p:spPr/>
-        <p:txBody>
-          <a:bodyPr/>
-          <a:lstStyle/>
-          <a:p>
-            <a:r>
-              <a:rPr lang="hu-HU" dirty="0"/>
-              <a:t>Sources</a:t>
-            </a:r>
-          </a:p>
-        </p:txBody>
-      </p:sp>
-      <p:sp>
-        <p:nvSpPr>
-          <p:cNvPr id="3" name="Content Placeholder 2">
-            <a:extLst>
-              <a:ext uri="{FF2B5EF4-FFF2-40B4-BE49-F238E27FC236}">
-                <a16:creationId xmlns:a16="http://schemas.microsoft.com/office/drawing/2014/main" id="{CE2C71F9-1A16-D366-9FE0-7FE027823069}"/>
-              </a:ext>
-            </a:extLst>
-          </p:cNvPr>
-          <p:cNvSpPr>
-            <a:spLocks noGrp="1"/>
-          </p:cNvSpPr>
-          <p:nvPr>
-            <p:ph idx="1"/>
-          </p:nvPr>
-        </p:nvSpPr>
-        <p:spPr/>
-        <p:txBody>
-          <a:bodyPr/>
-          <a:lstStyle/>
-          <a:p>
-            <a:r>
-              <a:rPr lang="hu-HU" dirty="0">
-                <a:hlinkClick r:id="rId2"/>
-              </a:rPr>
-              <a:t>Free time activities</a:t>
-            </a:r>
-            <a:endParaRPr lang="hu-HU" dirty="0"/>
-          </a:p>
-          <a:p>
-            <a:r>
-              <a:rPr lang="hu-HU" dirty="0">
-                <a:hlinkClick r:id="rId3"/>
-              </a:rPr>
-              <a:t>Image1</a:t>
-            </a:r>
-            <a:endParaRPr lang="hu-HU" dirty="0"/>
-          </a:p>
-          <a:p>
-            <a:r>
-              <a:rPr lang="hu-HU" dirty="0">
-                <a:hlinkClick r:id="rId4"/>
-              </a:rPr>
-              <a:t>Image2</a:t>
-            </a:r>
-            <a:endParaRPr lang="hu-HU" dirty="0"/>
-          </a:p>
-          <a:p>
-            <a:r>
-              <a:rPr lang="hu-HU" dirty="0">
-                <a:hlinkClick r:id="rId5"/>
-              </a:rPr>
-              <a:t>Image3</a:t>
-            </a:r>
-            <a:endParaRPr lang="hu-HU" dirty="0"/>
-          </a:p>
-          <a:p>
-            <a:r>
-              <a:rPr lang="hu-HU" dirty="0">
-                <a:hlinkClick r:id="rId6"/>
-              </a:rPr>
-              <a:t>Image4</a:t>
-            </a:r>
-            <a:endParaRPr lang="hu-HU" dirty="0"/>
-          </a:p>
-          <a:p>
-            <a:pPr marL="0" indent="0">
-              <a:buNone/>
-            </a:pPr>
-            <a:endParaRPr lang="hu-HU" i="1" dirty="0"/>
-          </a:p>
-        </p:txBody>
-      </p:sp>
-    </p:spTree>
-    <p:extLst>
-      <p:ext uri="{BB962C8B-B14F-4D97-AF65-F5344CB8AC3E}">
-        <p14:creationId xmlns:p14="http://schemas.microsoft.com/office/powerpoint/2010/main" val="1321863606"/>
       </p:ext>
     </p:extLst>
   </p:cSld>
